--- a/2024/cards.pptx
+++ b/2024/cards.pptx
@@ -1435,7 +1435,7 @@
           <a:p>
             <a:fld id="{9A6E6C6A-BFC1-A745-B572-C8A6DC61361B}" type="datetimeFigureOut">
               <a:rPr kumimoji="1" lang="ja-JP" altLang="en-US" smtClean="0"/>
-              <a:t>2024/11/4</a:t>
+              <a:t>2024/11/7</a:t>
             </a:fld>
             <a:endParaRPr kumimoji="1" lang="ja-JP" altLang="en-US"/>
           </a:p>
@@ -1665,7 +1665,7 @@
           <a:p>
             <a:fld id="{9A6E6C6A-BFC1-A745-B572-C8A6DC61361B}" type="datetimeFigureOut">
               <a:rPr kumimoji="1" lang="ja-JP" altLang="en-US" smtClean="0"/>
-              <a:t>2024/11/4</a:t>
+              <a:t>2024/11/7</a:t>
             </a:fld>
             <a:endParaRPr kumimoji="1" lang="ja-JP" altLang="en-US"/>
           </a:p>
@@ -1905,7 +1905,7 @@
           <a:p>
             <a:fld id="{9A6E6C6A-BFC1-A745-B572-C8A6DC61361B}" type="datetimeFigureOut">
               <a:rPr kumimoji="1" lang="ja-JP" altLang="en-US" smtClean="0"/>
-              <a:t>2024/11/4</a:t>
+              <a:t>2024/11/7</a:t>
             </a:fld>
             <a:endParaRPr kumimoji="1" lang="ja-JP" altLang="en-US"/>
           </a:p>
@@ -2135,7 +2135,7 @@
           <a:p>
             <a:fld id="{9A6E6C6A-BFC1-A745-B572-C8A6DC61361B}" type="datetimeFigureOut">
               <a:rPr kumimoji="1" lang="ja-JP" altLang="en-US" smtClean="0"/>
-              <a:t>2024/11/4</a:t>
+              <a:t>2024/11/7</a:t>
             </a:fld>
             <a:endParaRPr kumimoji="1" lang="ja-JP" altLang="en-US"/>
           </a:p>
@@ -2410,7 +2410,7 @@
           <a:p>
             <a:fld id="{9A6E6C6A-BFC1-A745-B572-C8A6DC61361B}" type="datetimeFigureOut">
               <a:rPr kumimoji="1" lang="ja-JP" altLang="en-US" smtClean="0"/>
-              <a:t>2024/11/4</a:t>
+              <a:t>2024/11/7</a:t>
             </a:fld>
             <a:endParaRPr kumimoji="1" lang="ja-JP" altLang="en-US"/>
           </a:p>
@@ -2739,7 +2739,7 @@
           <a:p>
             <a:fld id="{9A6E6C6A-BFC1-A745-B572-C8A6DC61361B}" type="datetimeFigureOut">
               <a:rPr kumimoji="1" lang="ja-JP" altLang="en-US" smtClean="0"/>
-              <a:t>2024/11/4</a:t>
+              <a:t>2024/11/7</a:t>
             </a:fld>
             <a:endParaRPr kumimoji="1" lang="ja-JP" altLang="en-US"/>
           </a:p>
@@ -3215,7 +3215,7 @@
           <a:p>
             <a:fld id="{9A6E6C6A-BFC1-A745-B572-C8A6DC61361B}" type="datetimeFigureOut">
               <a:rPr kumimoji="1" lang="ja-JP" altLang="en-US" smtClean="0"/>
-              <a:t>2024/11/4</a:t>
+              <a:t>2024/11/7</a:t>
             </a:fld>
             <a:endParaRPr kumimoji="1" lang="ja-JP" altLang="en-US"/>
           </a:p>
@@ -3356,7 +3356,7 @@
           <a:p>
             <a:fld id="{9A6E6C6A-BFC1-A745-B572-C8A6DC61361B}" type="datetimeFigureOut">
               <a:rPr kumimoji="1" lang="ja-JP" altLang="en-US" smtClean="0"/>
-              <a:t>2024/11/4</a:t>
+              <a:t>2024/11/7</a:t>
             </a:fld>
             <a:endParaRPr kumimoji="1" lang="ja-JP" altLang="en-US"/>
           </a:p>
@@ -3469,7 +3469,7 @@
           <a:p>
             <a:fld id="{9A6E6C6A-BFC1-A745-B572-C8A6DC61361B}" type="datetimeFigureOut">
               <a:rPr kumimoji="1" lang="ja-JP" altLang="en-US" smtClean="0"/>
-              <a:t>2024/11/4</a:t>
+              <a:t>2024/11/7</a:t>
             </a:fld>
             <a:endParaRPr kumimoji="1" lang="ja-JP" altLang="en-US"/>
           </a:p>
@@ -3812,7 +3812,7 @@
           <a:p>
             <a:fld id="{9A6E6C6A-BFC1-A745-B572-C8A6DC61361B}" type="datetimeFigureOut">
               <a:rPr kumimoji="1" lang="ja-JP" altLang="en-US" smtClean="0"/>
-              <a:t>2024/11/4</a:t>
+              <a:t>2024/11/7</a:t>
             </a:fld>
             <a:endParaRPr kumimoji="1" lang="ja-JP" altLang="en-US"/>
           </a:p>
@@ -4100,7 +4100,7 @@
           <a:p>
             <a:fld id="{9A6E6C6A-BFC1-A745-B572-C8A6DC61361B}" type="datetimeFigureOut">
               <a:rPr kumimoji="1" lang="ja-JP" altLang="en-US" smtClean="0"/>
-              <a:t>2024/11/4</a:t>
+              <a:t>2024/11/7</a:t>
             </a:fld>
             <a:endParaRPr kumimoji="1" lang="ja-JP" altLang="en-US"/>
           </a:p>
@@ -4373,7 +4373,7 @@
           <a:p>
             <a:fld id="{9A6E6C6A-BFC1-A745-B572-C8A6DC61361B}" type="datetimeFigureOut">
               <a:rPr kumimoji="1" lang="ja-JP" altLang="en-US" smtClean="0"/>
-              <a:t>2024/11/4</a:t>
+              <a:t>2024/11/7</a:t>
             </a:fld>
             <a:endParaRPr kumimoji="1" lang="ja-JP" altLang="en-US"/>
           </a:p>
@@ -5016,6 +5016,168 @@
       </p:grpSpPr>
       <p:sp>
         <p:nvSpPr>
+          <p:cNvPr id="7" name="正方形/長方形 6">
+            <a:extLst>
+              <a:ext uri="{FF2B5EF4-FFF2-40B4-BE49-F238E27FC236}">
+                <a16:creationId xmlns:a16="http://schemas.microsoft.com/office/drawing/2014/main" id="{A58F015D-94BF-0917-E61C-9F999BE4544B}"/>
+              </a:ext>
+            </a:extLst>
+          </p:cNvPr>
+          <p:cNvSpPr/>
+          <p:nvPr/>
+        </p:nvSpPr>
+        <p:spPr>
+          <a:xfrm>
+            <a:off x="1153480" y="523961"/>
+            <a:ext cx="4229099" cy="6032500"/>
+          </a:xfrm>
+          <a:prstGeom prst="rect">
+            <a:avLst/>
+          </a:prstGeom>
+          <a:solidFill>
+            <a:srgbClr val="EC721A"/>
+          </a:solidFill>
+          <a:ln w="57150">
+            <a:solidFill>
+              <a:srgbClr val="EC721A"/>
+            </a:solidFill>
+          </a:ln>
+        </p:spPr>
+        <p:style>
+          <a:lnRef idx="2">
+            <a:schemeClr val="accent1">
+              <a:shade val="50000"/>
+            </a:schemeClr>
+          </a:lnRef>
+          <a:fillRef idx="1">
+            <a:schemeClr val="accent1"/>
+          </a:fillRef>
+          <a:effectRef idx="0">
+            <a:schemeClr val="accent1"/>
+          </a:effectRef>
+          <a:fontRef idx="minor">
+            <a:schemeClr val="lt1"/>
+          </a:fontRef>
+        </p:style>
+        <p:txBody>
+          <a:bodyPr rtlCol="0" anchor="ctr"/>
+          <a:lstStyle/>
+          <a:p>
+            <a:pPr algn="ctr"/>
+            <a:endParaRPr kumimoji="1" lang="ja-JP" altLang="en-US"/>
+          </a:p>
+        </p:txBody>
+      </p:sp>
+      <p:sp>
+        <p:nvSpPr>
+          <p:cNvPr id="8" name="角丸四角形 7">
+            <a:extLst>
+              <a:ext uri="{FF2B5EF4-FFF2-40B4-BE49-F238E27FC236}">
+                <a16:creationId xmlns:a16="http://schemas.microsoft.com/office/drawing/2014/main" id="{C24A06B0-2846-BDBD-F3D4-04136F5C7BEE}"/>
+              </a:ext>
+            </a:extLst>
+          </p:cNvPr>
+          <p:cNvSpPr/>
+          <p:nvPr/>
+        </p:nvSpPr>
+        <p:spPr>
+          <a:xfrm>
+            <a:off x="1145513" y="523962"/>
+            <a:ext cx="4229099" cy="6032499"/>
+          </a:xfrm>
+          <a:prstGeom prst="roundRect">
+            <a:avLst>
+              <a:gd name="adj" fmla="val 5621"/>
+            </a:avLst>
+          </a:prstGeom>
+          <a:solidFill>
+            <a:schemeClr val="bg1"/>
+          </a:solidFill>
+          <a:ln>
+            <a:noFill/>
+          </a:ln>
+        </p:spPr>
+        <p:style>
+          <a:lnRef idx="2">
+            <a:schemeClr val="accent1">
+              <a:shade val="50000"/>
+            </a:schemeClr>
+          </a:lnRef>
+          <a:fillRef idx="1">
+            <a:schemeClr val="accent1"/>
+          </a:fillRef>
+          <a:effectRef idx="0">
+            <a:schemeClr val="accent1"/>
+          </a:effectRef>
+          <a:fontRef idx="minor">
+            <a:schemeClr val="lt1"/>
+          </a:fontRef>
+        </p:style>
+        <p:txBody>
+          <a:bodyPr rtlCol="0" anchor="ctr"/>
+          <a:lstStyle/>
+          <a:p>
+            <a:pPr algn="ctr"/>
+            <a:endParaRPr kumimoji="1" lang="ja-JP" altLang="en-US"/>
+          </a:p>
+        </p:txBody>
+      </p:sp>
+      <p:pic>
+        <p:nvPicPr>
+          <p:cNvPr id="1026" name="Picture 2">
+            <a:extLst>
+              <a:ext uri="{FF2B5EF4-FFF2-40B4-BE49-F238E27FC236}">
+                <a16:creationId xmlns:a16="http://schemas.microsoft.com/office/drawing/2014/main" id="{D21A3D80-F2D3-C5E7-601F-D495AF7D53B4}"/>
+              </a:ext>
+            </a:extLst>
+          </p:cNvPr>
+          <p:cNvPicPr>
+            <a:picLocks noChangeAspect="1" noChangeArrowheads="1"/>
+          </p:cNvPicPr>
+          <p:nvPr/>
+        </p:nvPicPr>
+        <p:blipFill>
+          <a:blip r:embed="rId2">
+            <a:extLst>
+              <a:ext uri="{28A0092B-C50C-407E-A947-70E740481C1C}">
+                <a14:useLocalDpi xmlns:a14="http://schemas.microsoft.com/office/drawing/2010/main" val="0"/>
+              </a:ext>
+            </a:extLst>
+          </a:blip>
+          <a:srcRect/>
+          <a:stretch>
+            <a:fillRect/>
+          </a:stretch>
+        </p:blipFill>
+        <p:spPr bwMode="auto">
+          <a:xfrm>
+            <a:off x="1324343" y="2177593"/>
+            <a:ext cx="3887371" cy="2915529"/>
+          </a:xfrm>
+          <a:prstGeom prst="rect">
+            <a:avLst/>
+          </a:prstGeom>
+          <a:solidFill>
+            <a:schemeClr val="bg1">
+              <a:lumMod val="65000"/>
+            </a:schemeClr>
+          </a:solidFill>
+          <a:ln>
+            <a:noFill/>
+          </a:ln>
+          <a:extLst>
+            <a:ext uri="{909E8E84-426E-40DD-AFC4-6F175D3DCCD1}">
+              <a14:hiddenFill xmlns:a14="http://schemas.microsoft.com/office/drawing/2010/main">
+                <a:solidFill>
+                  <a:srgbClr val="FFFFFF"/>
+                </a:solidFill>
+              </a14:hiddenFill>
+            </a:ext>
+          </a:extLst>
+        </p:spPr>
+      </p:pic>
+      <p:sp>
+        <p:nvSpPr>
           <p:cNvPr id="11" name="正方形/長方形 10">
             <a:extLst>
               <a:ext uri="{FF2B5EF4-FFF2-40B4-BE49-F238E27FC236}">
@@ -5083,114 +5245,6 @@
         <p:spPr>
           <a:xfrm>
             <a:off x="7060097" y="523962"/>
-            <a:ext cx="4229099" cy="6032499"/>
-          </a:xfrm>
-          <a:prstGeom prst="roundRect">
-            <a:avLst>
-              <a:gd name="adj" fmla="val 5621"/>
-            </a:avLst>
-          </a:prstGeom>
-          <a:solidFill>
-            <a:schemeClr val="bg1"/>
-          </a:solidFill>
-          <a:ln>
-            <a:noFill/>
-          </a:ln>
-        </p:spPr>
-        <p:style>
-          <a:lnRef idx="2">
-            <a:schemeClr val="accent1">
-              <a:shade val="50000"/>
-            </a:schemeClr>
-          </a:lnRef>
-          <a:fillRef idx="1">
-            <a:schemeClr val="accent1"/>
-          </a:fillRef>
-          <a:effectRef idx="0">
-            <a:schemeClr val="accent1"/>
-          </a:effectRef>
-          <a:fontRef idx="minor">
-            <a:schemeClr val="lt1"/>
-          </a:fontRef>
-        </p:style>
-        <p:txBody>
-          <a:bodyPr rtlCol="0" anchor="ctr"/>
-          <a:lstStyle/>
-          <a:p>
-            <a:pPr algn="ctr"/>
-            <a:endParaRPr kumimoji="1" lang="ja-JP" altLang="en-US"/>
-          </a:p>
-        </p:txBody>
-      </p:sp>
-      <p:sp>
-        <p:nvSpPr>
-          <p:cNvPr id="7" name="正方形/長方形 6">
-            <a:extLst>
-              <a:ext uri="{FF2B5EF4-FFF2-40B4-BE49-F238E27FC236}">
-                <a16:creationId xmlns:a16="http://schemas.microsoft.com/office/drawing/2014/main" id="{A58F015D-94BF-0917-E61C-9F999BE4544B}"/>
-              </a:ext>
-            </a:extLst>
-          </p:cNvPr>
-          <p:cNvSpPr/>
-          <p:nvPr/>
-        </p:nvSpPr>
-        <p:spPr>
-          <a:xfrm>
-            <a:off x="1153480" y="523961"/>
-            <a:ext cx="4229099" cy="6032500"/>
-          </a:xfrm>
-          <a:prstGeom prst="rect">
-            <a:avLst/>
-          </a:prstGeom>
-          <a:solidFill>
-            <a:srgbClr val="EC721A"/>
-          </a:solidFill>
-          <a:ln w="57150">
-            <a:solidFill>
-              <a:srgbClr val="EC721A"/>
-            </a:solidFill>
-          </a:ln>
-        </p:spPr>
-        <p:style>
-          <a:lnRef idx="2">
-            <a:schemeClr val="accent1">
-              <a:shade val="50000"/>
-            </a:schemeClr>
-          </a:lnRef>
-          <a:fillRef idx="1">
-            <a:schemeClr val="accent1"/>
-          </a:fillRef>
-          <a:effectRef idx="0">
-            <a:schemeClr val="accent1"/>
-          </a:effectRef>
-          <a:fontRef idx="minor">
-            <a:schemeClr val="lt1"/>
-          </a:fontRef>
-        </p:style>
-        <p:txBody>
-          <a:bodyPr rtlCol="0" anchor="ctr"/>
-          <a:lstStyle/>
-          <a:p>
-            <a:pPr algn="ctr"/>
-            <a:endParaRPr kumimoji="1" lang="ja-JP" altLang="en-US"/>
-          </a:p>
-        </p:txBody>
-      </p:sp>
-      <p:sp>
-        <p:nvSpPr>
-          <p:cNvPr id="8" name="角丸四角形 7">
-            <a:extLst>
-              <a:ext uri="{FF2B5EF4-FFF2-40B4-BE49-F238E27FC236}">
-                <a16:creationId xmlns:a16="http://schemas.microsoft.com/office/drawing/2014/main" id="{C24A06B0-2846-BDBD-F3D4-04136F5C7BEE}"/>
-              </a:ext>
-            </a:extLst>
-          </p:cNvPr>
-          <p:cNvSpPr/>
-          <p:nvPr/>
-        </p:nvSpPr>
-        <p:spPr>
-          <a:xfrm>
-            <a:off x="1145513" y="523962"/>
             <a:ext cx="4229099" cy="6032499"/>
           </a:xfrm>
           <a:prstGeom prst="roundRect">
@@ -5642,10 +5696,10 @@
       </p:sp>
       <p:pic>
         <p:nvPicPr>
-          <p:cNvPr id="2050" name="Picture 2">
+          <p:cNvPr id="2" name="Picture 2">
             <a:extLst>
               <a:ext uri="{FF2B5EF4-FFF2-40B4-BE49-F238E27FC236}">
-                <a16:creationId xmlns:a16="http://schemas.microsoft.com/office/drawing/2014/main" id="{570B482E-9C7B-517A-652E-295F13795DCD}"/>
+                <a16:creationId xmlns:a16="http://schemas.microsoft.com/office/drawing/2014/main" id="{740D29D2-5A99-A6FE-A88F-DEA1B81DB95A}"/>
               </a:ext>
             </a:extLst>
           </p:cNvPr>
@@ -5654,7 +5708,7 @@
           </p:cNvPicPr>
           <p:nvPr/>
         </p:nvPicPr>
-        <p:blipFill rotWithShape="1">
+        <p:blipFill>
           <a:blip r:embed="rId2">
             <a:extLst>
               <a:ext uri="{28A0092B-C50C-407E-A947-70E740481C1C}">
@@ -5662,63 +5716,27 @@
               </a:ext>
             </a:extLst>
           </a:blip>
-          <a:srcRect l="1658" t="13315" r="2595" b="4185"/>
-          <a:stretch/>
+          <a:srcRect/>
+          <a:stretch>
+            <a:fillRect/>
+          </a:stretch>
         </p:blipFill>
         <p:spPr bwMode="auto">
           <a:xfrm>
-            <a:off x="1266537" y="2341929"/>
-            <a:ext cx="4002984" cy="2586858"/>
+            <a:off x="7230960" y="2183945"/>
+            <a:ext cx="3887371" cy="2915529"/>
           </a:xfrm>
           <a:prstGeom prst="rect">
             <a:avLst/>
           </a:prstGeom>
-          <a:noFill/>
-          <a:extLst>
-            <a:ext uri="{909E8E84-426E-40DD-AFC4-6F175D3DCCD1}">
-              <a14:hiddenFill xmlns:a14="http://schemas.microsoft.com/office/drawing/2010/main">
-                <a:solidFill>
-                  <a:srgbClr val="FFFFFF"/>
-                </a:solidFill>
-              </a14:hiddenFill>
-            </a:ext>
-          </a:extLst>
-        </p:spPr>
-      </p:pic>
-      <p:pic>
-        <p:nvPicPr>
-          <p:cNvPr id="9" name="Picture 2">
-            <a:extLst>
-              <a:ext uri="{FF2B5EF4-FFF2-40B4-BE49-F238E27FC236}">
-                <a16:creationId xmlns:a16="http://schemas.microsoft.com/office/drawing/2014/main" id="{9B8CB566-EC63-0EFF-59A8-AE6259948C19}"/>
-              </a:ext>
-            </a:extLst>
-          </p:cNvPr>
-          <p:cNvPicPr>
-            <a:picLocks noChangeAspect="1" noChangeArrowheads="1"/>
-          </p:cNvPicPr>
-          <p:nvPr/>
-        </p:nvPicPr>
-        <p:blipFill rotWithShape="1">
-          <a:blip r:embed="rId2">
-            <a:extLst>
-              <a:ext uri="{28A0092B-C50C-407E-A947-70E740481C1C}">
-                <a14:useLocalDpi xmlns:a14="http://schemas.microsoft.com/office/drawing/2010/main" val="0"/>
-              </a:ext>
-            </a:extLst>
-          </a:blip>
-          <a:srcRect l="1658" t="13315" r="2595" b="4185"/>
-          <a:stretch/>
-        </p:blipFill>
-        <p:spPr bwMode="auto">
-          <a:xfrm>
-            <a:off x="7173154" y="2341929"/>
-            <a:ext cx="4002984" cy="2586858"/>
-          </a:xfrm>
-          <a:prstGeom prst="rect">
-            <a:avLst/>
-          </a:prstGeom>
-          <a:noFill/>
+          <a:solidFill>
+            <a:schemeClr val="bg1">
+              <a:lumMod val="65000"/>
+            </a:schemeClr>
+          </a:solidFill>
+          <a:ln>
+            <a:noFill/>
+          </a:ln>
           <a:extLst>
             <a:ext uri="{909E8E84-426E-40DD-AFC4-6F175D3DCCD1}">
               <a14:hiddenFill xmlns:a14="http://schemas.microsoft.com/office/drawing/2010/main">
